--- a/Restaurant_iPad_Application.pptx
+++ b/Restaurant_iPad_Application.pptx
@@ -506,6 +506,18 @@
   <p:clrMapOvr>
     <a:overrideClrMapping bg1="lt1" tx1="dk1" bg2="lt2" tx2="dk2" accent1="accent1" accent2="accent2" accent3="accent3" accent4="accent4" accent5="accent5" accent6="accent6" hlink="hlink" folHlink="folHlink"/>
   </p:clrMapOvr>
+  <mc:AlternateContent xmlns:mc="http://schemas.openxmlformats.org/markup-compatibility/2006">
+    <mc:Choice xmlns:p159="http://schemas.microsoft.com/office/powerpoint/2015/09/main" Requires="p159">
+      <p:transition spd="slow">
+        <p159:morph option="byObject"/>
+      </p:transition>
+    </mc:Choice>
+    <mc:Fallback>
+      <p:transition spd="slow">
+        <p:fade/>
+      </p:transition>
+    </mc:Fallback>
+  </mc:AlternateContent>
 </p:sldLayout>
 </file>
 
@@ -681,6 +693,18 @@
   <p:clrMapOvr>
     <a:masterClrMapping/>
   </p:clrMapOvr>
+  <mc:AlternateContent xmlns:mc="http://schemas.openxmlformats.org/markup-compatibility/2006">
+    <mc:Choice xmlns:p159="http://schemas.microsoft.com/office/powerpoint/2015/09/main" Requires="p159">
+      <p:transition spd="slow">
+        <p159:morph option="byObject"/>
+      </p:transition>
+    </mc:Choice>
+    <mc:Fallback>
+      <p:transition spd="slow">
+        <p:fade/>
+      </p:transition>
+    </mc:Fallback>
+  </mc:AlternateContent>
 </p:sldLayout>
 </file>
 
@@ -861,6 +885,18 @@
   <p:clrMapOvr>
     <a:masterClrMapping/>
   </p:clrMapOvr>
+  <mc:AlternateContent xmlns:mc="http://schemas.openxmlformats.org/markup-compatibility/2006">
+    <mc:Choice xmlns:p159="http://schemas.microsoft.com/office/powerpoint/2015/09/main" Requires="p159">
+      <p:transition spd="slow">
+        <p159:morph option="byObject"/>
+      </p:transition>
+    </mc:Choice>
+    <mc:Fallback>
+      <p:transition spd="slow">
+        <p:fade/>
+      </p:transition>
+    </mc:Fallback>
+  </mc:AlternateContent>
 </p:sldLayout>
 </file>
 
@@ -1031,6 +1067,18 @@
   <p:clrMapOvr>
     <a:masterClrMapping/>
   </p:clrMapOvr>
+  <mc:AlternateContent xmlns:mc="http://schemas.openxmlformats.org/markup-compatibility/2006">
+    <mc:Choice xmlns:p159="http://schemas.microsoft.com/office/powerpoint/2015/09/main" Requires="p159">
+      <p:transition spd="slow">
+        <p159:morph option="byObject"/>
+      </p:transition>
+    </mc:Choice>
+    <mc:Fallback>
+      <p:transition spd="slow">
+        <p:fade/>
+      </p:transition>
+    </mc:Fallback>
+  </mc:AlternateContent>
 </p:sldLayout>
 </file>
 
@@ -1390,6 +1438,18 @@
   <p:clrMapOvr>
     <a:overrideClrMapping bg1="dk1" tx1="lt1" bg2="dk2" tx2="lt2" accent1="accent1" accent2="accent2" accent3="accent3" accent4="accent4" accent5="accent5" accent6="accent6" hlink="hlink" folHlink="folHlink"/>
   </p:clrMapOvr>
+  <mc:AlternateContent xmlns:mc="http://schemas.openxmlformats.org/markup-compatibility/2006">
+    <mc:Choice xmlns:p159="http://schemas.microsoft.com/office/powerpoint/2015/09/main" Requires="p159">
+      <p:transition spd="slow">
+        <p159:morph option="byObject"/>
+      </p:transition>
+    </mc:Choice>
+    <mc:Fallback>
+      <p:transition spd="slow">
+        <p:fade/>
+      </p:transition>
+    </mc:Fallback>
+  </mc:AlternateContent>
 </p:sldLayout>
 </file>
 
@@ -1702,6 +1762,18 @@
   <p:clrMapOvr>
     <a:masterClrMapping/>
   </p:clrMapOvr>
+  <mc:AlternateContent xmlns:mc="http://schemas.openxmlformats.org/markup-compatibility/2006">
+    <mc:Choice xmlns:p159="http://schemas.microsoft.com/office/powerpoint/2015/09/main" Requires="p159">
+      <p:transition spd="slow">
+        <p159:morph option="byObject"/>
+      </p:transition>
+    </mc:Choice>
+    <mc:Fallback>
+      <p:transition spd="slow">
+        <p:fade/>
+      </p:transition>
+    </mc:Fallback>
+  </mc:AlternateContent>
 </p:sldLayout>
 </file>
 
@@ -2179,6 +2251,18 @@
   <p:clrMapOvr>
     <a:masterClrMapping/>
   </p:clrMapOvr>
+  <mc:AlternateContent xmlns:mc="http://schemas.openxmlformats.org/markup-compatibility/2006">
+    <mc:Choice xmlns:p159="http://schemas.microsoft.com/office/powerpoint/2015/09/main" Requires="p159">
+      <p:transition spd="slow">
+        <p159:morph option="byObject"/>
+      </p:transition>
+    </mc:Choice>
+    <mc:Fallback>
+      <p:transition spd="slow">
+        <p:fade/>
+      </p:transition>
+    </mc:Fallback>
+  </mc:AlternateContent>
 </p:sldLayout>
 </file>
 
@@ -2297,6 +2381,18 @@
   <p:clrMapOvr>
     <a:masterClrMapping/>
   </p:clrMapOvr>
+  <mc:AlternateContent xmlns:mc="http://schemas.openxmlformats.org/markup-compatibility/2006">
+    <mc:Choice xmlns:p159="http://schemas.microsoft.com/office/powerpoint/2015/09/main" Requires="p159">
+      <p:transition spd="slow">
+        <p159:morph option="byObject"/>
+      </p:transition>
+    </mc:Choice>
+    <mc:Fallback>
+      <p:transition spd="slow">
+        <p:fade/>
+      </p:transition>
+    </mc:Fallback>
+  </mc:AlternateContent>
 </p:sldLayout>
 </file>
 
@@ -2392,6 +2488,18 @@
   <p:clrMapOvr>
     <a:masterClrMapping/>
   </p:clrMapOvr>
+  <mc:AlternateContent xmlns:mc="http://schemas.openxmlformats.org/markup-compatibility/2006">
+    <mc:Choice xmlns:p159="http://schemas.microsoft.com/office/powerpoint/2015/09/main" Requires="p159">
+      <p:transition spd="slow">
+        <p159:morph option="byObject"/>
+      </p:transition>
+    </mc:Choice>
+    <mc:Fallback>
+      <p:transition spd="slow">
+        <p:fade/>
+      </p:transition>
+    </mc:Fallback>
+  </mc:AlternateContent>
 </p:sldLayout>
 </file>
 
@@ -2802,6 +2910,18 @@
   <p:clrMapOvr>
     <a:masterClrMapping/>
   </p:clrMapOvr>
+  <mc:AlternateContent xmlns:mc="http://schemas.openxmlformats.org/markup-compatibility/2006">
+    <mc:Choice xmlns:p159="http://schemas.microsoft.com/office/powerpoint/2015/09/main" Requires="p159">
+      <p:transition spd="slow">
+        <p159:morph option="byObject"/>
+      </p:transition>
+    </mc:Choice>
+    <mc:Fallback>
+      <p:transition spd="slow">
+        <p:fade/>
+      </p:transition>
+    </mc:Fallback>
+  </mc:AlternateContent>
 </p:sldLayout>
 </file>
 
@@ -3190,6 +3310,18 @@
   <p:clrMapOvr>
     <a:masterClrMapping/>
   </p:clrMapOvr>
+  <mc:AlternateContent xmlns:mc="http://schemas.openxmlformats.org/markup-compatibility/2006">
+    <mc:Choice xmlns:p159="http://schemas.microsoft.com/office/powerpoint/2015/09/main" Requires="p159">
+      <p:transition spd="slow">
+        <p159:morph option="byObject"/>
+      </p:transition>
+    </mc:Choice>
+    <mc:Fallback>
+      <p:transition spd="slow">
+        <p:fade/>
+      </p:transition>
+    </mc:Fallback>
+  </mc:AlternateContent>
 </p:sldLayout>
 </file>
 
@@ -3485,6 +3617,18 @@
     <p:sldLayoutId id="2147483805" r:id="rId10"/>
     <p:sldLayoutId id="2147483806" r:id="rId11"/>
   </p:sldLayoutIdLst>
+  <mc:AlternateContent xmlns:mc="http://schemas.openxmlformats.org/markup-compatibility/2006">
+    <mc:Choice xmlns:p159="http://schemas.microsoft.com/office/powerpoint/2015/09/main" Requires="p159">
+      <p:transition spd="slow">
+        <p159:morph option="byObject"/>
+      </p:transition>
+    </mc:Choice>
+    <mc:Fallback>
+      <p:transition spd="slow">
+        <p:fade/>
+      </p:transition>
+    </mc:Fallback>
+  </mc:AlternateContent>
   <p:txStyles>
     <p:titleStyle>
       <a:lvl1pPr algn="l" defTabSz="914400" rtl="0" eaLnBrk="1" latinLnBrk="0" hangingPunct="1">
@@ -3936,6 +4080,18 @@
   <p:clrMapOvr>
     <a:masterClrMapping/>
   </p:clrMapOvr>
+  <mc:AlternateContent xmlns:mc="http://schemas.openxmlformats.org/markup-compatibility/2006">
+    <mc:Choice xmlns:p159="http://schemas.microsoft.com/office/powerpoint/2015/09/main" Requires="p159">
+      <p:transition spd="slow">
+        <p159:morph option="byObject"/>
+      </p:transition>
+    </mc:Choice>
+    <mc:Fallback>
+      <p:transition spd="slow">
+        <p:fade/>
+      </p:transition>
+    </mc:Fallback>
+  </mc:AlternateContent>
 </p:sld>
 </file>
 
@@ -4054,6 +4210,18 @@
   <p:clrMapOvr>
     <a:masterClrMapping/>
   </p:clrMapOvr>
+  <mc:AlternateContent xmlns:mc="http://schemas.openxmlformats.org/markup-compatibility/2006">
+    <mc:Choice xmlns:p159="http://schemas.microsoft.com/office/powerpoint/2015/09/main" Requires="p159">
+      <p:transition spd="slow">
+        <p159:morph option="byObject"/>
+      </p:transition>
+    </mc:Choice>
+    <mc:Fallback>
+      <p:transition spd="slow">
+        <p:fade/>
+      </p:transition>
+    </mc:Fallback>
+  </mc:AlternateContent>
 </p:sld>
 </file>
 
@@ -4160,6 +4328,18 @@
   <p:clrMapOvr>
     <a:masterClrMapping/>
   </p:clrMapOvr>
+  <mc:AlternateContent xmlns:mc="http://schemas.openxmlformats.org/markup-compatibility/2006">
+    <mc:Choice xmlns:p159="http://schemas.microsoft.com/office/powerpoint/2015/09/main" Requires="p159">
+      <p:transition spd="slow">
+        <p159:morph option="byObject"/>
+      </p:transition>
+    </mc:Choice>
+    <mc:Fallback>
+      <p:transition spd="slow">
+        <p:fade/>
+      </p:transition>
+    </mc:Fallback>
+  </mc:AlternateContent>
 </p:sld>
 </file>
 
@@ -4257,6 +4437,18 @@
   <p:clrMapOvr>
     <a:masterClrMapping/>
   </p:clrMapOvr>
+  <mc:AlternateContent xmlns:mc="http://schemas.openxmlformats.org/markup-compatibility/2006">
+    <mc:Choice xmlns:p159="http://schemas.microsoft.com/office/powerpoint/2015/09/main" Requires="p159">
+      <p:transition spd="slow">
+        <p159:morph option="byObject"/>
+      </p:transition>
+    </mc:Choice>
+    <mc:Fallback>
+      <p:transition spd="slow">
+        <p:fade/>
+      </p:transition>
+    </mc:Fallback>
+  </mc:AlternateContent>
 </p:sld>
 </file>
 
@@ -4388,6 +4580,18 @@
   <p:clrMapOvr>
     <a:masterClrMapping/>
   </p:clrMapOvr>
+  <mc:AlternateContent xmlns:mc="http://schemas.openxmlformats.org/markup-compatibility/2006">
+    <mc:Choice xmlns:p159="http://schemas.microsoft.com/office/powerpoint/2015/09/main" Requires="p159">
+      <p:transition spd="slow">
+        <p159:morph option="byObject"/>
+      </p:transition>
+    </mc:Choice>
+    <mc:Fallback>
+      <p:transition spd="slow">
+        <p:fade/>
+      </p:transition>
+    </mc:Fallback>
+  </mc:AlternateContent>
 </p:sld>
 </file>
 
@@ -4544,6 +4748,18 @@
   <p:clrMapOvr>
     <a:masterClrMapping/>
   </p:clrMapOvr>
+  <mc:AlternateContent xmlns:mc="http://schemas.openxmlformats.org/markup-compatibility/2006">
+    <mc:Choice xmlns:p159="http://schemas.microsoft.com/office/powerpoint/2015/09/main" Requires="p159">
+      <p:transition spd="slow">
+        <p159:morph option="byObject"/>
+      </p:transition>
+    </mc:Choice>
+    <mc:Fallback>
+      <p:transition spd="slow">
+        <p:fade/>
+      </p:transition>
+    </mc:Fallback>
+  </mc:AlternateContent>
 </p:sld>
 </file>
 
@@ -4653,6 +4869,18 @@
   <p:clrMapOvr>
     <a:masterClrMapping/>
   </p:clrMapOvr>
+  <mc:AlternateContent xmlns:mc="http://schemas.openxmlformats.org/markup-compatibility/2006">
+    <mc:Choice xmlns:p159="http://schemas.microsoft.com/office/powerpoint/2015/09/main" Requires="p159">
+      <p:transition spd="slow">
+        <p159:morph option="byObject"/>
+      </p:transition>
+    </mc:Choice>
+    <mc:Fallback>
+      <p:transition spd="slow">
+        <p:fade/>
+      </p:transition>
+    </mc:Fallback>
+  </mc:AlternateContent>
 </p:sld>
 </file>
 
@@ -4771,6 +4999,18 @@
   <p:clrMapOvr>
     <a:masterClrMapping/>
   </p:clrMapOvr>
+  <mc:AlternateContent xmlns:mc="http://schemas.openxmlformats.org/markup-compatibility/2006">
+    <mc:Choice xmlns:p159="http://schemas.microsoft.com/office/powerpoint/2015/09/main" Requires="p159">
+      <p:transition spd="slow">
+        <p159:morph option="byObject"/>
+      </p:transition>
+    </mc:Choice>
+    <mc:Fallback>
+      <p:transition spd="slow">
+        <p:fade/>
+      </p:transition>
+    </mc:Fallback>
+  </mc:AlternateContent>
 </p:sld>
 </file>
 
@@ -4898,6 +5138,18 @@
   <p:clrMapOvr>
     <a:masterClrMapping/>
   </p:clrMapOvr>
+  <mc:AlternateContent xmlns:mc="http://schemas.openxmlformats.org/markup-compatibility/2006">
+    <mc:Choice xmlns:p159="http://schemas.microsoft.com/office/powerpoint/2015/09/main" Requires="p159">
+      <p:transition spd="slow">
+        <p159:morph option="byObject"/>
+      </p:transition>
+    </mc:Choice>
+    <mc:Fallback>
+      <p:transition spd="slow">
+        <p:fade/>
+      </p:transition>
+    </mc:Fallback>
+  </mc:AlternateContent>
 </p:sld>
 </file>
 
@@ -5056,6 +5308,18 @@
   <p:clrMapOvr>
     <a:masterClrMapping/>
   </p:clrMapOvr>
+  <mc:AlternateContent xmlns:mc="http://schemas.openxmlformats.org/markup-compatibility/2006">
+    <mc:Choice xmlns:p159="http://schemas.microsoft.com/office/powerpoint/2015/09/main" Requires="p159">
+      <p:transition spd="slow">
+        <p159:morph option="byObject"/>
+      </p:transition>
+    </mc:Choice>
+    <mc:Fallback>
+      <p:transition spd="slow">
+        <p:fade/>
+      </p:transition>
+    </mc:Fallback>
+  </mc:AlternateContent>
 </p:sld>
 </file>
 
@@ -5161,6 +5425,18 @@
   <p:clrMapOvr>
     <a:masterClrMapping/>
   </p:clrMapOvr>
+  <mc:AlternateContent xmlns:mc="http://schemas.openxmlformats.org/markup-compatibility/2006">
+    <mc:Choice xmlns:p159="http://schemas.microsoft.com/office/powerpoint/2015/09/main" Requires="p159">
+      <p:transition spd="slow">
+        <p159:morph option="byObject"/>
+      </p:transition>
+    </mc:Choice>
+    <mc:Fallback>
+      <p:transition spd="slow">
+        <p:fade/>
+      </p:transition>
+    </mc:Fallback>
+  </mc:AlternateContent>
 </p:sld>
 </file>
 
@@ -5315,6 +5591,18 @@
   <p:clrMapOvr>
     <a:masterClrMapping/>
   </p:clrMapOvr>
+  <mc:AlternateContent xmlns:mc="http://schemas.openxmlformats.org/markup-compatibility/2006">
+    <mc:Choice xmlns:p159="http://schemas.microsoft.com/office/powerpoint/2015/09/main" Requires="p159">
+      <p:transition spd="slow">
+        <p159:morph option="byObject"/>
+      </p:transition>
+    </mc:Choice>
+    <mc:Fallback>
+      <p:transition spd="slow">
+        <p:fade/>
+      </p:transition>
+    </mc:Fallback>
+  </mc:AlternateContent>
 </p:sld>
 </file>
 
@@ -5433,6 +5721,18 @@
   <p:clrMapOvr>
     <a:masterClrMapping/>
   </p:clrMapOvr>
+  <mc:AlternateContent xmlns:mc="http://schemas.openxmlformats.org/markup-compatibility/2006">
+    <mc:Choice xmlns:p159="http://schemas.microsoft.com/office/powerpoint/2015/09/main" Requires="p159">
+      <p:transition spd="slow">
+        <p159:morph option="byObject"/>
+      </p:transition>
+    </mc:Choice>
+    <mc:Fallback>
+      <p:transition spd="slow">
+        <p:fade/>
+      </p:transition>
+    </mc:Fallback>
+  </mc:AlternateContent>
 </p:sld>
 </file>
 
